--- a/table_functions.pptx
+++ b/table_functions.pptx
@@ -107,6 +107,11 @@
       </a:defRPr>
     </a:lvl9pPr>
   </p:defaultTextStyle>
+  <p:extLst>
+    <p:ext uri="{EFAFB233-063F-42B5-8137-9DF3F51BA10A}">
+      <p15:sldGuideLst xmlns:p15="http://schemas.microsoft.com/office/powerpoint/2012/main"/>
+    </p:ext>
+  </p:extLst>
 </p:presentation>
 </file>
 
@@ -192,7 +197,7 @@
           <a:p>
             <a:fld id="{E15636E4-74B0-4AEE-A424-3CA9BD36D0E8}" type="datetimeFigureOut">
               <a:rPr lang="en-GB" smtClean="0"/>
-              <a:t>28/06/2022</a:t>
+              <a:t>15/07/2022</a:t>
             </a:fld>
             <a:endParaRPr lang="en-GB"/>
           </a:p>
@@ -675,7 +680,7 @@
           <a:p>
             <a:fld id="{F394B0BD-9DBF-4844-B752-AC18317F6010}" type="datetimeFigureOut">
               <a:rPr lang="en-GB" smtClean="0"/>
-              <a:t>28/06/2022</a:t>
+              <a:t>15/07/2022</a:t>
             </a:fld>
             <a:endParaRPr lang="en-GB"/>
           </a:p>
@@ -845,7 +850,7 @@
           <a:p>
             <a:fld id="{F394B0BD-9DBF-4844-B752-AC18317F6010}" type="datetimeFigureOut">
               <a:rPr lang="en-GB" smtClean="0"/>
-              <a:t>28/06/2022</a:t>
+              <a:t>15/07/2022</a:t>
             </a:fld>
             <a:endParaRPr lang="en-GB"/>
           </a:p>
@@ -1025,7 +1030,7 @@
           <a:p>
             <a:fld id="{F394B0BD-9DBF-4844-B752-AC18317F6010}" type="datetimeFigureOut">
               <a:rPr lang="en-GB" smtClean="0"/>
-              <a:t>28/06/2022</a:t>
+              <a:t>15/07/2022</a:t>
             </a:fld>
             <a:endParaRPr lang="en-GB"/>
           </a:p>
@@ -1195,7 +1200,7 @@
           <a:p>
             <a:fld id="{F394B0BD-9DBF-4844-B752-AC18317F6010}" type="datetimeFigureOut">
               <a:rPr lang="en-GB" smtClean="0"/>
-              <a:t>28/06/2022</a:t>
+              <a:t>15/07/2022</a:t>
             </a:fld>
             <a:endParaRPr lang="en-GB"/>
           </a:p>
@@ -1441,7 +1446,7 @@
           <a:p>
             <a:fld id="{F394B0BD-9DBF-4844-B752-AC18317F6010}" type="datetimeFigureOut">
               <a:rPr lang="en-GB" smtClean="0"/>
-              <a:t>28/06/2022</a:t>
+              <a:t>15/07/2022</a:t>
             </a:fld>
             <a:endParaRPr lang="en-GB"/>
           </a:p>
@@ -1673,7 +1678,7 @@
           <a:p>
             <a:fld id="{F394B0BD-9DBF-4844-B752-AC18317F6010}" type="datetimeFigureOut">
               <a:rPr lang="en-GB" smtClean="0"/>
-              <a:t>28/06/2022</a:t>
+              <a:t>15/07/2022</a:t>
             </a:fld>
             <a:endParaRPr lang="en-GB"/>
           </a:p>
@@ -2040,7 +2045,7 @@
           <a:p>
             <a:fld id="{F394B0BD-9DBF-4844-B752-AC18317F6010}" type="datetimeFigureOut">
               <a:rPr lang="en-GB" smtClean="0"/>
-              <a:t>28/06/2022</a:t>
+              <a:t>15/07/2022</a:t>
             </a:fld>
             <a:endParaRPr lang="en-GB"/>
           </a:p>
@@ -2158,7 +2163,7 @@
           <a:p>
             <a:fld id="{F394B0BD-9DBF-4844-B752-AC18317F6010}" type="datetimeFigureOut">
               <a:rPr lang="en-GB" smtClean="0"/>
-              <a:t>28/06/2022</a:t>
+              <a:t>15/07/2022</a:t>
             </a:fld>
             <a:endParaRPr lang="en-GB"/>
           </a:p>
@@ -2253,7 +2258,7 @@
           <a:p>
             <a:fld id="{F394B0BD-9DBF-4844-B752-AC18317F6010}" type="datetimeFigureOut">
               <a:rPr lang="en-GB" smtClean="0"/>
-              <a:t>28/06/2022</a:t>
+              <a:t>15/07/2022</a:t>
             </a:fld>
             <a:endParaRPr lang="en-GB"/>
           </a:p>
@@ -2530,7 +2535,7 @@
           <a:p>
             <a:fld id="{F394B0BD-9DBF-4844-B752-AC18317F6010}" type="datetimeFigureOut">
               <a:rPr lang="en-GB" smtClean="0"/>
-              <a:t>28/06/2022</a:t>
+              <a:t>15/07/2022</a:t>
             </a:fld>
             <a:endParaRPr lang="en-GB"/>
           </a:p>
@@ -2787,7 +2792,7 @@
           <a:p>
             <a:fld id="{F394B0BD-9DBF-4844-B752-AC18317F6010}" type="datetimeFigureOut">
               <a:rPr lang="en-GB" smtClean="0"/>
-              <a:t>28/06/2022</a:t>
+              <a:t>15/07/2022</a:t>
             </a:fld>
             <a:endParaRPr lang="en-GB"/>
           </a:p>
@@ -3000,7 +3005,7 @@
           <a:p>
             <a:fld id="{F394B0BD-9DBF-4844-B752-AC18317F6010}" type="datetimeFigureOut">
               <a:rPr lang="en-GB" smtClean="0"/>
-              <a:t>28/06/2022</a:t>
+              <a:t>15/07/2022</a:t>
             </a:fld>
             <a:endParaRPr lang="en-GB"/>
           </a:p>
@@ -3420,7 +3425,7 @@
           <p:nvPr>
             <p:extLst>
               <p:ext uri="{D42A27DB-BD31-4B8C-83A1-F6EECF244321}">
-                <p14:modId xmlns:p14="http://schemas.microsoft.com/office/powerpoint/2010/main" val="2109303801"/>
+                <p14:modId xmlns:p14="http://schemas.microsoft.com/office/powerpoint/2010/main" val="563620903"/>
               </p:ext>
             </p:extLst>
           </p:nvPr>
@@ -3754,7 +3759,7 @@
                             <a:schemeClr val="tx1"/>
                           </a:solidFill>
                         </a:rPr>
-                        <a:t>Relevant section in the workshop</a:t>
+                        <a:t>Relevant section in this workshop</a:t>
                       </a:r>
                     </a:p>
                   </a:txBody>
@@ -4304,7 +4309,7 @@
                     <a:p>
                       <a:r>
                         <a:rPr lang="en-US" dirty="0"/>
-                        <a:t>An emulator of the variance and an emulator of the mean for each output of interest.</a:t>
+                        <a:t>An emulator of the variance and an emulator of the mean for each output of interest</a:t>
                       </a:r>
                       <a:endParaRPr lang="en-GB" dirty="0"/>
                     </a:p>
@@ -4682,7 +4687,7 @@
                     <a:p>
                       <a:r>
                         <a:rPr lang="en-US" dirty="0"/>
-                        <a:t>Three diagnostics for each emulator of interest.</a:t>
+                        <a:t>Three diagnostics for each emulator of interest</a:t>
                       </a:r>
                       <a:endParaRPr lang="en-GB" dirty="0"/>
                     </a:p>
